--- a/posts/classroom rules/課堂規則.pptx
+++ b/posts/classroom rules/課堂規則.pptx
@@ -10,6 +10,7 @@
     <p:sldId id="258" r:id="rId4"/>
     <p:sldId id="259" r:id="rId5"/>
     <p:sldId id="260" r:id="rId6"/>
+    <p:sldId id="261" r:id="rId7"/>
   </p:sldIdLst>
   <p:sldSz cx="12192000" cy="6858000"/>
   <p:notesSz cx="6858000" cy="9144000"/>
@@ -108,6 +109,11 @@
       </a:defRPr>
     </a:lvl9pPr>
   </p:defaultTextStyle>
+  <p:extLst>
+    <p:ext uri="{EFAFB233-063F-42B5-8137-9DF3F51BA10A}">
+      <p15:sldGuideLst xmlns:p15="http://schemas.microsoft.com/office/powerpoint/2012/main"/>
+    </p:ext>
+  </p:extLst>
 </p:presentation>
 </file>
 
@@ -514,7 +520,7 @@
           <a:p>
             <a:fld id="{C524B2DC-0B45-4FB0-AF2E-83E2B28599F9}" type="datetimeFigureOut">
               <a:rPr lang="zh-TW" altLang="en-US" smtClean="0"/>
-              <a:t>2026/1/20</a:t>
+              <a:t>2026/1/21</a:t>
             </a:fld>
             <a:endParaRPr lang="zh-TW" altLang="en-US"/>
           </a:p>
@@ -693,7 +699,7 @@
           <a:p>
             <a:fld id="{C524B2DC-0B45-4FB0-AF2E-83E2B28599F9}" type="datetimeFigureOut">
               <a:rPr lang="zh-TW" altLang="en-US" smtClean="0"/>
-              <a:t>2026/1/20</a:t>
+              <a:t>2026/1/21</a:t>
             </a:fld>
             <a:endParaRPr lang="zh-TW" altLang="en-US"/>
           </a:p>
@@ -873,7 +879,7 @@
           <a:p>
             <a:fld id="{C524B2DC-0B45-4FB0-AF2E-83E2B28599F9}" type="datetimeFigureOut">
               <a:rPr lang="zh-TW" altLang="en-US" smtClean="0"/>
-              <a:t>2026/1/20</a:t>
+              <a:t>2026/1/21</a:t>
             </a:fld>
             <a:endParaRPr lang="zh-TW" altLang="en-US"/>
           </a:p>
@@ -1043,7 +1049,7 @@
           <a:p>
             <a:fld id="{C524B2DC-0B45-4FB0-AF2E-83E2B28599F9}" type="datetimeFigureOut">
               <a:rPr lang="zh-TW" altLang="en-US" smtClean="0"/>
-              <a:t>2026/1/20</a:t>
+              <a:t>2026/1/21</a:t>
             </a:fld>
             <a:endParaRPr lang="zh-TW" altLang="en-US"/>
           </a:p>
@@ -1356,7 +1362,7 @@
           <a:p>
             <a:fld id="{C524B2DC-0B45-4FB0-AF2E-83E2B28599F9}" type="datetimeFigureOut">
               <a:rPr lang="zh-TW" altLang="en-US" smtClean="0"/>
-              <a:t>2026/1/20</a:t>
+              <a:t>2026/1/21</a:t>
             </a:fld>
             <a:endParaRPr lang="zh-TW" altLang="en-US"/>
           </a:p>
@@ -1742,7 +1748,7 @@
           <a:p>
             <a:fld id="{C524B2DC-0B45-4FB0-AF2E-83E2B28599F9}" type="datetimeFigureOut">
               <a:rPr lang="zh-TW" altLang="en-US" smtClean="0"/>
-              <a:t>2026/1/20</a:t>
+              <a:t>2026/1/21</a:t>
             </a:fld>
             <a:endParaRPr lang="zh-TW" altLang="en-US"/>
           </a:p>
@@ -2176,7 +2182,7 @@
           <a:p>
             <a:fld id="{C524B2DC-0B45-4FB0-AF2E-83E2B28599F9}" type="datetimeFigureOut">
               <a:rPr lang="zh-TW" altLang="en-US" smtClean="0"/>
-              <a:t>2026/1/20</a:t>
+              <a:t>2026/1/21</a:t>
             </a:fld>
             <a:endParaRPr lang="zh-TW" altLang="en-US"/>
           </a:p>
@@ -2294,7 +2300,7 @@
           <a:p>
             <a:fld id="{C524B2DC-0B45-4FB0-AF2E-83E2B28599F9}" type="datetimeFigureOut">
               <a:rPr lang="zh-TW" altLang="en-US" smtClean="0"/>
-              <a:t>2026/1/20</a:t>
+              <a:t>2026/1/21</a:t>
             </a:fld>
             <a:endParaRPr lang="zh-TW" altLang="en-US"/>
           </a:p>
@@ -2389,7 +2395,7 @@
           <a:p>
             <a:fld id="{C524B2DC-0B45-4FB0-AF2E-83E2B28599F9}" type="datetimeFigureOut">
               <a:rPr lang="zh-TW" altLang="en-US" smtClean="0"/>
-              <a:t>2026/1/20</a:t>
+              <a:t>2026/1/21</a:t>
             </a:fld>
             <a:endParaRPr lang="zh-TW" altLang="en-US"/>
           </a:p>
@@ -2739,7 +2745,7 @@
           <a:p>
             <a:fld id="{C524B2DC-0B45-4FB0-AF2E-83E2B28599F9}" type="datetimeFigureOut">
               <a:rPr lang="zh-TW" altLang="en-US" smtClean="0"/>
-              <a:t>2026/1/20</a:t>
+              <a:t>2026/1/21</a:t>
             </a:fld>
             <a:endParaRPr lang="zh-TW" altLang="en-US"/>
           </a:p>
@@ -3164,7 +3170,7 @@
           <a:p>
             <a:fld id="{C524B2DC-0B45-4FB0-AF2E-83E2B28599F9}" type="datetimeFigureOut">
               <a:rPr lang="zh-TW" altLang="en-US" smtClean="0"/>
-              <a:t>2026/1/20</a:t>
+              <a:t>2026/1/21</a:t>
             </a:fld>
             <a:endParaRPr lang="zh-TW" altLang="en-US"/>
           </a:p>
@@ -3445,7 +3451,7 @@
           <a:p>
             <a:fld id="{C524B2DC-0B45-4FB0-AF2E-83E2B28599F9}" type="datetimeFigureOut">
               <a:rPr lang="zh-TW" altLang="en-US" smtClean="0"/>
-              <a:t>2026/1/20</a:t>
+              <a:t>2026/1/21</a:t>
             </a:fld>
             <a:endParaRPr lang="zh-TW" altLang="en-US"/>
           </a:p>
@@ -4420,7 +4426,7 @@
         <p:spPr/>
         <p:txBody>
           <a:bodyPr>
-            <a:normAutofit fontScale="92500" lnSpcReduction="10000"/>
+            <a:noAutofit/>
           </a:bodyPr>
           <a:lstStyle/>
           <a:p>
@@ -4458,21 +4464,23 @@
             </a:endParaRPr>
           </a:p>
           <a:p>
+            <a:r>
+              <a:rPr lang="zh-TW" altLang="en-US" sz="3000" dirty="0">
+                <a:latin typeface="+mn-ea"/>
+              </a:rPr>
+              <a:t>除特殊情況，每堂課都有小考，考試內容為先前上課範圍</a:t>
+            </a:r>
             <a:endParaRPr lang="en-US" altLang="zh-TW" sz="3000" dirty="0">
               <a:latin typeface="+mn-ea"/>
             </a:endParaRPr>
           </a:p>
           <a:p>
-            <a:endParaRPr lang="en-US" altLang="zh-TW" sz="3000" dirty="0">
-              <a:latin typeface="+mn-ea"/>
-            </a:endParaRPr>
-          </a:p>
-          <a:p>
-            <a:endParaRPr lang="en-US" altLang="zh-TW" sz="3000" dirty="0">
-              <a:latin typeface="+mn-ea"/>
-            </a:endParaRPr>
-          </a:p>
-          <a:p>
+            <a:r>
+              <a:rPr lang="zh-TW" altLang="en-US" sz="3000" dirty="0">
+                <a:latin typeface="+mn-ea"/>
+              </a:rPr>
+              <a:t>小考沒有滿分需要補考，未補考者先通知導師，嚴重者通知家長</a:t>
+            </a:r>
             <a:endParaRPr lang="en-US" altLang="zh-TW" sz="3000" dirty="0">
               <a:latin typeface="+mn-ea"/>
             </a:endParaRPr>
@@ -4597,17 +4605,45 @@
           </a:p>
           <a:p>
             <a:r>
-              <a:rPr lang="zh-TW" altLang="en-US" sz="3000">
-                <a:latin typeface="+mn-ea"/>
-              </a:rPr>
-              <a:t>不會寫或</a:t>
-            </a:r>
-            <a:r>
               <a:rPr lang="zh-TW" altLang="en-US" sz="3000" dirty="0">
                 <a:latin typeface="+mn-ea"/>
               </a:rPr>
-              <a:t>對課堂內容有疑問，請下課尋找老師</a:t>
-            </a:r>
+              <a:t>不會寫或對課堂內容有疑問，請下課尋找老師</a:t>
+            </a:r>
+            <a:endParaRPr lang="en-US" altLang="zh-TW" sz="3000" dirty="0">
+              <a:latin typeface="+mn-ea"/>
+            </a:endParaRPr>
+          </a:p>
+          <a:p>
+            <a:endParaRPr lang="en-US" altLang="zh-TW" sz="3000" dirty="0">
+              <a:latin typeface="+mn-ea"/>
+            </a:endParaRPr>
+          </a:p>
+          <a:p>
+            <a:endParaRPr lang="en-US" altLang="zh-TW" sz="3000" dirty="0">
+              <a:latin typeface="+mn-ea"/>
+            </a:endParaRPr>
+          </a:p>
+          <a:p>
+            <a:endParaRPr lang="en-US" altLang="zh-TW" sz="3000" dirty="0">
+              <a:latin typeface="+mn-ea"/>
+            </a:endParaRPr>
+          </a:p>
+          <a:p>
+            <a:r>
+              <a:rPr lang="zh-TW" altLang="en-US" sz="3000" dirty="0">
+                <a:latin typeface="+mn-ea"/>
+              </a:rPr>
+              <a:t>未完成作業者下課找老師補齊，嚴重者通知導師及家長</a:t>
+            </a:r>
+            <a:endParaRPr lang="en-US" altLang="zh-TW" sz="3000" dirty="0">
+              <a:latin typeface="+mn-ea"/>
+            </a:endParaRPr>
+          </a:p>
+          <a:p>
+            <a:pPr marL="0" indent="0">
+              <a:buNone/>
+            </a:pPr>
             <a:endParaRPr lang="en-US" altLang="zh-TW" sz="3000" dirty="0">
               <a:latin typeface="+mn-ea"/>
             </a:endParaRPr>
@@ -4618,6 +4654,155 @@
     <p:extLst>
       <p:ext uri="{BB962C8B-B14F-4D97-AF65-F5344CB8AC3E}">
         <p14:creationId xmlns:p14="http://schemas.microsoft.com/office/powerpoint/2010/main" val="1848124280"/>
+      </p:ext>
+    </p:extLst>
+  </p:cSld>
+  <p:clrMapOvr>
+    <a:masterClrMapping/>
+  </p:clrMapOvr>
+</p:sld>
+</file>
+
+<file path=ppt/slides/slide6.xml><?xml version="1.0" encoding="utf-8"?>
+<p:sld xmlns:a="http://schemas.openxmlformats.org/drawingml/2006/main" xmlns:r="http://schemas.openxmlformats.org/officeDocument/2006/relationships" xmlns:p="http://schemas.openxmlformats.org/presentationml/2006/main">
+  <p:cSld>
+    <p:spTree>
+      <p:nvGrpSpPr>
+        <p:cNvPr id="1" name=""/>
+        <p:cNvGrpSpPr/>
+        <p:nvPr/>
+      </p:nvGrpSpPr>
+      <p:grpSpPr>
+        <a:xfrm>
+          <a:off x="0" y="0"/>
+          <a:ext cx="0" cy="0"/>
+          <a:chOff x="0" y="0"/>
+          <a:chExt cx="0" cy="0"/>
+        </a:xfrm>
+      </p:grpSpPr>
+      <p:sp>
+        <p:nvSpPr>
+          <p:cNvPr id="2" name="標題 1">
+            <a:extLst>
+              <a:ext uri="{FF2B5EF4-FFF2-40B4-BE49-F238E27FC236}">
+                <a16:creationId xmlns:a16="http://schemas.microsoft.com/office/drawing/2014/main" id="{1620D3A2-E56C-4794-B76E-E86D2D731C5E}"/>
+              </a:ext>
+            </a:extLst>
+          </p:cNvPr>
+          <p:cNvSpPr>
+            <a:spLocks noGrp="1"/>
+          </p:cNvSpPr>
+          <p:nvPr>
+            <p:ph type="title"/>
+          </p:nvPr>
+        </p:nvSpPr>
+        <p:spPr/>
+        <p:txBody>
+          <a:bodyPr/>
+          <a:lstStyle/>
+          <a:p>
+            <a:r>
+              <a:rPr lang="zh-TW" altLang="en-US" dirty="0"/>
+              <a:t>小老師職責</a:t>
+            </a:r>
+          </a:p>
+        </p:txBody>
+      </p:sp>
+      <p:sp>
+        <p:nvSpPr>
+          <p:cNvPr id="3" name="內容版面配置區 2">
+            <a:extLst>
+              <a:ext uri="{FF2B5EF4-FFF2-40B4-BE49-F238E27FC236}">
+                <a16:creationId xmlns:a16="http://schemas.microsoft.com/office/drawing/2014/main" id="{3798FFB7-AE58-46DD-B8CA-AE2A37B00162}"/>
+              </a:ext>
+            </a:extLst>
+          </p:cNvPr>
+          <p:cNvSpPr>
+            <a:spLocks noGrp="1"/>
+          </p:cNvSpPr>
+          <p:nvPr>
+            <p:ph idx="1"/>
+          </p:nvPr>
+        </p:nvSpPr>
+        <p:spPr/>
+        <p:txBody>
+          <a:bodyPr>
+            <a:normAutofit/>
+          </a:bodyPr>
+          <a:lstStyle/>
+          <a:p>
+            <a:r>
+              <a:rPr lang="zh-TW" altLang="en-US" sz="3000" dirty="0">
+                <a:latin typeface="+mn-ea"/>
+              </a:rPr>
+              <a:t>前一節課下課馬上來詢問這節課是否要拿東西以及是否要考試</a:t>
+            </a:r>
+            <a:endParaRPr lang="en-US" altLang="zh-TW" sz="3000" dirty="0">
+              <a:latin typeface="+mn-ea"/>
+            </a:endParaRPr>
+          </a:p>
+          <a:p>
+            <a:r>
+              <a:rPr lang="zh-TW" altLang="en-US" sz="3000" dirty="0">
+                <a:latin typeface="+mn-ea"/>
+              </a:rPr>
+              <a:t>上課有說作業或考試內容直接寫到聯絡簿，上課沒說就下課問老師</a:t>
+            </a:r>
+            <a:endParaRPr lang="en-US" altLang="zh-TW" sz="3000" dirty="0">
+              <a:latin typeface="+mn-ea"/>
+            </a:endParaRPr>
+          </a:p>
+          <a:p>
+            <a:r>
+              <a:rPr lang="zh-TW" altLang="en-US" sz="3000" dirty="0">
+                <a:latin typeface="+mn-ea"/>
+              </a:rPr>
+              <a:t>下課登記小考成績</a:t>
+            </a:r>
+            <a:endParaRPr lang="en-US" altLang="zh-TW" sz="3000" dirty="0">
+              <a:latin typeface="+mn-ea"/>
+            </a:endParaRPr>
+          </a:p>
+          <a:p>
+            <a:r>
+              <a:rPr lang="zh-TW" altLang="en-US" sz="3000">
+                <a:latin typeface="+mn-ea"/>
+              </a:rPr>
+              <a:t>早自習登記</a:t>
+            </a:r>
+            <a:r>
+              <a:rPr lang="zh-TW" altLang="en-US" sz="3000" dirty="0">
+                <a:latin typeface="+mn-ea"/>
+              </a:rPr>
+              <a:t>作業繳交及</a:t>
+            </a:r>
+            <a:r>
+              <a:rPr lang="zh-TW" altLang="en-US" sz="3000">
+                <a:latin typeface="+mn-ea"/>
+              </a:rPr>
+              <a:t>作業成績，並將作業繳交到老師桌上</a:t>
+            </a:r>
+            <a:endParaRPr lang="en-US" altLang="zh-TW" sz="3000" dirty="0">
+              <a:latin typeface="+mn-ea"/>
+            </a:endParaRPr>
+          </a:p>
+          <a:p>
+            <a:r>
+              <a:rPr lang="zh-TW" altLang="en-US" sz="3000" dirty="0">
+                <a:latin typeface="+mn-ea"/>
+              </a:rPr>
+              <a:t>其他事務</a:t>
+            </a:r>
+            <a:endParaRPr lang="en-US" altLang="zh-TW" sz="3000" dirty="0">
+              <a:latin typeface="+mn-ea"/>
+            </a:endParaRPr>
+          </a:p>
+        </p:txBody>
+      </p:sp>
+    </p:spTree>
+    <p:extLst>
+      <p:ext uri="{BB962C8B-B14F-4D97-AF65-F5344CB8AC3E}">
+        <p14:creationId xmlns:p14="http://schemas.microsoft.com/office/powerpoint/2010/main" val="1661402469"/>
       </p:ext>
     </p:extLst>
   </p:cSld>
